--- a/lstm_test.pptx
+++ b/lstm_test.pptx
@@ -4698,7 +4698,7 @@
     <mc:Choice Requires="p14">
       <p:transition/>
     </mc:Choice>
-    <mc:Fallback xmlns="" xmlns:c="http://schemas.openxmlformats.org/drawingml/2006/chart" xmlns:dgm="http://schemas.openxmlformats.org/drawingml/2006/diagram" xmlns:dsp="http://schemas.microsoft.com/office/drawing/2008/diagram">
+    <mc:Fallback xmlns:dsp="http://schemas.microsoft.com/office/drawing/2008/diagram" xmlns:dgm="http://schemas.openxmlformats.org/drawingml/2006/diagram" xmlns:c="http://schemas.openxmlformats.org/drawingml/2006/chart" xmlns="">
       <p:transition/>
     </mc:Fallback>
   </mc:AlternateContent>
@@ -4754,7 +4754,7 @@
             <a:lum/>
             <a:extLst>
               <a:ext uri="783A4284-B454-46f5-B8C8-42B5039CE256">
-                <hp:hncPhoto xmlns="" xmlns:c="http://schemas.openxmlformats.org/drawingml/2006/chart" xmlns:dgm="http://schemas.openxmlformats.org/drawingml/2006/diagram" xmlns:dsp="http://schemas.microsoft.com/office/drawing/2008/diagram" xmlns:hp="http://schemas.haansoft.com/office/presentation/8.0">
+                <hp:hncPhoto xmlns:hp="http://schemas.haansoft.com/office/presentation/8.0" xmlns:dsp="http://schemas.microsoft.com/office/drawing/2008/diagram" xmlns:dgm="http://schemas.openxmlformats.org/drawingml/2006/diagram" xmlns:c="http://schemas.openxmlformats.org/drawingml/2006/chart" xmlns="">
                   <hd:imgLayer xmlns:hd="http://schemas.haansoft.com/office/drawingml/8.0" r:embed="rId3">
                     <hd:imgEffect xmlns:hd="http://schemas.haansoft.com/office/drawingml/8.0">
                       <hd:artEffectSharpenSoften amount="-100000"/>
@@ -4873,7 +4873,7 @@
     <mc:Choice Requires="p14">
       <p:transition/>
     </mc:Choice>
-    <mc:Fallback xmlns="" xmlns:c="http://schemas.openxmlformats.org/drawingml/2006/chart" xmlns:dgm="http://schemas.openxmlformats.org/drawingml/2006/diagram" xmlns:dsp="http://schemas.microsoft.com/office/drawing/2008/diagram">
+    <mc:Fallback xmlns:dsp="http://schemas.microsoft.com/office/drawing/2008/diagram" xmlns:dgm="http://schemas.openxmlformats.org/drawingml/2006/diagram" xmlns:c="http://schemas.openxmlformats.org/drawingml/2006/chart" xmlns="">
       <p:transition/>
     </mc:Fallback>
   </mc:AlternateContent>
@@ -5435,7 +5435,7 @@
             <a:lum/>
             <a:extLst>
               <a:ext uri="783A4284-B454-46f5-B8C8-42B5039CE256">
-                <hp:hncPhoto xmlns="" xmlns:c="http://schemas.openxmlformats.org/drawingml/2006/chart" xmlns:dgm="http://schemas.openxmlformats.org/drawingml/2006/diagram" xmlns:dsp="http://schemas.microsoft.com/office/drawing/2008/diagram" xmlns:hp="http://schemas.haansoft.com/office/presentation/8.0">
+                <hp:hncPhoto xmlns:hp="http://schemas.haansoft.com/office/presentation/8.0" xmlns:dsp="http://schemas.microsoft.com/office/drawing/2008/diagram" xmlns:dgm="http://schemas.openxmlformats.org/drawingml/2006/diagram" xmlns:c="http://schemas.openxmlformats.org/drawingml/2006/chart" xmlns="">
                   <hd:imgLayer xmlns:hd="http://schemas.haansoft.com/office/drawingml/8.0" r:embed="rId3">
                     <hd:imgEffect xmlns:hd="http://schemas.haansoft.com/office/drawingml/8.0">
                       <hd:artEffectSharpenSoften amount="-100000"/>
@@ -5537,7 +5537,7 @@
     <mc:Choice Requires="p14">
       <p:transition/>
     </mc:Choice>
-    <mc:Fallback xmlns="" xmlns:c="http://schemas.openxmlformats.org/drawingml/2006/chart" xmlns:dgm="http://schemas.openxmlformats.org/drawingml/2006/diagram" xmlns:dsp="http://schemas.microsoft.com/office/drawing/2008/diagram">
+    <mc:Fallback xmlns:dsp="http://schemas.microsoft.com/office/drawing/2008/diagram" xmlns:dgm="http://schemas.openxmlformats.org/drawingml/2006/diagram" xmlns:c="http://schemas.openxmlformats.org/drawingml/2006/chart" xmlns="">
       <p:transition/>
     </mc:Fallback>
   </mc:AlternateContent>
@@ -6420,6 +6420,42 @@
               <a:rPr lang="ko-KR" altLang="en-US" dirty="0"/>
               <a:t>및 시퀀스 생성</a:t>
             </a:r>
+            <a:r>
+              <a:rPr lang="en-US" altLang="ko-KR" dirty="0"/>
+              <a:t>(</a:t>
+            </a:r>
+            <a:r>
+              <a:rPr lang="ko-KR" altLang="en-US" dirty="0"/>
+              <a:t>입력</a:t>
+            </a:r>
+            <a:r>
+              <a:rPr lang="en-US" altLang="ko-KR" dirty="0"/>
+              <a:t>: 5</a:t>
+            </a:r>
+            <a:r>
+              <a:rPr lang="ko-KR" altLang="en-US" dirty="0"/>
+              <a:t>일 </a:t>
+            </a:r>
+            <a:r>
+              <a:rPr lang="en-US" altLang="ko-KR" dirty="0"/>
+              <a:t>-&gt; </a:t>
+            </a:r>
+            <a:r>
+              <a:rPr lang="ko-KR" altLang="en-US" dirty="0"/>
+              <a:t>출력</a:t>
+            </a:r>
+            <a:r>
+              <a:rPr lang="en-US" altLang="ko-KR" dirty="0"/>
+              <a:t>: 1</a:t>
+            </a:r>
+            <a:r>
+              <a:rPr lang="ko-KR" altLang="en-US" dirty="0"/>
+              <a:t>일</a:t>
+            </a:r>
+            <a:r>
+              <a:rPr lang="en-US" altLang="ko-KR"/>
+              <a:t>)</a:t>
+            </a:r>
             <a:endParaRPr lang="en-CA" altLang="ko-KR" dirty="0"/>
           </a:p>
         </p:txBody>
@@ -6753,7 +6789,7 @@
             <a:lum/>
             <a:extLst>
               <a:ext uri="783A4284-B454-46f5-B8C8-42B5039CE256">
-                <hp:hncPhoto xmlns="" xmlns:c="http://schemas.openxmlformats.org/drawingml/2006/chart" xmlns:dgm="http://schemas.openxmlformats.org/drawingml/2006/diagram" xmlns:dsp="http://schemas.microsoft.com/office/drawing/2008/diagram" xmlns:hp="http://schemas.haansoft.com/office/presentation/8.0">
+                <hp:hncPhoto xmlns:hp="http://schemas.haansoft.com/office/presentation/8.0" xmlns:dsp="http://schemas.microsoft.com/office/drawing/2008/diagram" xmlns:dgm="http://schemas.openxmlformats.org/drawingml/2006/diagram" xmlns:c="http://schemas.openxmlformats.org/drawingml/2006/chart" xmlns="">
                   <hd:imgLayer xmlns:hd="http://schemas.haansoft.com/office/drawingml/8.0" r:embed="rId3">
                     <hd:imgEffect xmlns:hd="http://schemas.haansoft.com/office/drawingml/8.0">
                       <hd:artEffectSharpenSoften amount="-100000"/>
@@ -6872,7 +6908,7 @@
     <mc:Choice Requires="p14">
       <p:transition/>
     </mc:Choice>
-    <mc:Fallback xmlns="" xmlns:c="http://schemas.openxmlformats.org/drawingml/2006/chart" xmlns:dgm="http://schemas.openxmlformats.org/drawingml/2006/diagram" xmlns:dsp="http://schemas.microsoft.com/office/drawing/2008/diagram">
+    <mc:Fallback xmlns:dsp="http://schemas.microsoft.com/office/drawing/2008/diagram" xmlns:dgm="http://schemas.openxmlformats.org/drawingml/2006/diagram" xmlns:c="http://schemas.openxmlformats.org/drawingml/2006/chart" xmlns="">
       <p:transition/>
     </mc:Fallback>
   </mc:AlternateContent>

--- a/lstm_test.pptx
+++ b/lstm_test.pptx
@@ -5,10 +5,10 @@
     <p:sldMasterId id="2147483666" r:id="rId1"/>
   </p:sldMasterIdLst>
   <p:notesMasterIdLst>
-    <p:notesMasterId r:id="rId15"/>
+    <p:notesMasterId r:id="rId21"/>
   </p:notesMasterIdLst>
   <p:handoutMasterIdLst>
-    <p:handoutMasterId r:id="rId16"/>
+    <p:handoutMasterId r:id="rId22"/>
   </p:handoutMasterIdLst>
   <p:sldIdLst>
     <p:sldId id="256" r:id="rId2"/>
@@ -23,7 +23,13 @@
     <p:sldId id="266" r:id="rId11"/>
     <p:sldId id="267" r:id="rId12"/>
     <p:sldId id="268" r:id="rId13"/>
-    <p:sldId id="260" r:id="rId14"/>
+    <p:sldId id="269" r:id="rId14"/>
+    <p:sldId id="271" r:id="rId15"/>
+    <p:sldId id="272" r:id="rId16"/>
+    <p:sldId id="273" r:id="rId17"/>
+    <p:sldId id="274" r:id="rId18"/>
+    <p:sldId id="275" r:id="rId19"/>
+    <p:sldId id="260" r:id="rId20"/>
   </p:sldIdLst>
   <p:sldSz cx="9144000" cy="5143500" type="screen16x9"/>
   <p:notesSz cx="6858000" cy="9144000"/>
@@ -369,7 +375,7 @@
               <a:pPr lvl="0">
                 <a:defRPr/>
               </a:pPr>
-              <a:t>2025-11-02</a:t>
+              <a:t>2025-11-03</a:t>
             </a:fld>
             <a:endParaRPr lang="en-CA"/>
           </a:p>
@@ -4698,7 +4704,7 @@
     <mc:Choice Requires="p14">
       <p:transition/>
     </mc:Choice>
-    <mc:Fallback xmlns:dsp="http://schemas.microsoft.com/office/drawing/2008/diagram" xmlns:dgm="http://schemas.openxmlformats.org/drawingml/2006/diagram" xmlns:c="http://schemas.openxmlformats.org/drawingml/2006/chart" xmlns="">
+    <mc:Fallback xmlns="" xmlns:c="http://schemas.openxmlformats.org/drawingml/2006/chart" xmlns:dgm="http://schemas.openxmlformats.org/drawingml/2006/diagram" xmlns:dsp="http://schemas.microsoft.com/office/drawing/2008/diagram">
       <p:transition/>
     </mc:Fallback>
   </mc:AlternateContent>
@@ -4754,7 +4760,7 @@
             <a:lum/>
             <a:extLst>
               <a:ext uri="783A4284-B454-46f5-B8C8-42B5039CE256">
-                <hp:hncPhoto xmlns:hp="http://schemas.haansoft.com/office/presentation/8.0" xmlns:dsp="http://schemas.microsoft.com/office/drawing/2008/diagram" xmlns:dgm="http://schemas.openxmlformats.org/drawingml/2006/diagram" xmlns:c="http://schemas.openxmlformats.org/drawingml/2006/chart" xmlns="">
+                <hp:hncPhoto xmlns="" xmlns:c="http://schemas.openxmlformats.org/drawingml/2006/chart" xmlns:dgm="http://schemas.openxmlformats.org/drawingml/2006/diagram" xmlns:dsp="http://schemas.microsoft.com/office/drawing/2008/diagram" xmlns:hp="http://schemas.haansoft.com/office/presentation/8.0">
                   <hd:imgLayer xmlns:hd="http://schemas.haansoft.com/office/drawingml/8.0" r:embed="rId3">
                     <hd:imgEffect xmlns:hd="http://schemas.haansoft.com/office/drawingml/8.0">
                       <hd:artEffectSharpenSoften amount="-100000"/>
@@ -4873,7 +4879,7 @@
     <mc:Choice Requires="p14">
       <p:transition/>
     </mc:Choice>
-    <mc:Fallback xmlns:dsp="http://schemas.microsoft.com/office/drawing/2008/diagram" xmlns:dgm="http://schemas.openxmlformats.org/drawingml/2006/diagram" xmlns:c="http://schemas.openxmlformats.org/drawingml/2006/chart" xmlns="">
+    <mc:Fallback xmlns="" xmlns:c="http://schemas.openxmlformats.org/drawingml/2006/chart" xmlns:dgm="http://schemas.openxmlformats.org/drawingml/2006/diagram" xmlns:dsp="http://schemas.microsoft.com/office/drawing/2008/diagram">
       <p:transition/>
     </mc:Fallback>
   </mc:AlternateContent>
@@ -5345,6 +5351,1166 @@
   <p:cSld>
     <p:spTree>
       <p:nvGrpSpPr>
+        <p:cNvPr id="1" name="">
+          <a:extLst>
+            <a:ext uri="{FF2B5EF4-FFF2-40B4-BE49-F238E27FC236}">
+              <a16:creationId xmlns:a16="http://schemas.microsoft.com/office/drawing/2014/main" id="{07D464C4-B92E-7936-F167-BE45DA995A3C}"/>
+            </a:ext>
+          </a:extLst>
+        </p:cNvPr>
+        <p:cNvGrpSpPr/>
+        <p:nvPr/>
+      </p:nvGrpSpPr>
+      <p:grpSpPr>
+        <a:xfrm>
+          <a:off x="0" y="0"/>
+          <a:ext cx="0" cy="0"/>
+          <a:chOff x="0" y="0"/>
+          <a:chExt cx="0" cy="0"/>
+        </a:xfrm>
+      </p:grpSpPr>
+      <p:pic>
+        <p:nvPicPr>
+          <p:cNvPr id="7" name="내용 개체 틀 6">
+            <a:extLst>
+              <a:ext uri="{FF2B5EF4-FFF2-40B4-BE49-F238E27FC236}">
+                <a16:creationId xmlns:a16="http://schemas.microsoft.com/office/drawing/2014/main" id="{2CF30A3D-278A-9F4C-33F1-9C54659E6AC9}"/>
+              </a:ext>
+            </a:extLst>
+          </p:cNvPr>
+          <p:cNvPicPr>
+            <a:picLocks noGrp="1" noChangeAspect="1"/>
+          </p:cNvPicPr>
+          <p:nvPr>
+            <p:ph idx="1"/>
+          </p:nvPr>
+        </p:nvPicPr>
+        <p:blipFill>
+          <a:blip r:embed="rId2"/>
+          <a:stretch>
+            <a:fillRect/>
+          </a:stretch>
+        </p:blipFill>
+        <p:spPr>
+          <a:xfrm>
+            <a:off x="875308" y="696395"/>
+            <a:ext cx="2667992" cy="2098265"/>
+          </a:xfrm>
+          <a:prstGeom prst="rect">
+            <a:avLst/>
+          </a:prstGeom>
+        </p:spPr>
+      </p:pic>
+      <p:sp>
+        <p:nvSpPr>
+          <p:cNvPr id="3" name="슬라이드 번호 개체 틀 2">
+            <a:extLst>
+              <a:ext uri="{FF2B5EF4-FFF2-40B4-BE49-F238E27FC236}">
+                <a16:creationId xmlns:a16="http://schemas.microsoft.com/office/drawing/2014/main" id="{44A19B93-02CB-81E3-F011-902B6D82A665}"/>
+              </a:ext>
+            </a:extLst>
+          </p:cNvPr>
+          <p:cNvSpPr>
+            <a:spLocks noGrp="1"/>
+          </p:cNvSpPr>
+          <p:nvPr>
+            <p:ph type="sldNum" sz="quarter" idx="12"/>
+          </p:nvPr>
+        </p:nvSpPr>
+        <p:spPr/>
+        <p:txBody>
+          <a:bodyPr/>
+          <a:lstStyle/>
+          <a:p>
+            <a:r>
+              <a:rPr kumimoji="1" lang="en-US" altLang="ko-Kore-KR"/>
+              <a:t>- </a:t>
+            </a:r>
+            <a:fld id="{BBFF076F-A898-B846-A356-7049BC8CABD5}" type="slidenum">
+              <a:rPr kumimoji="1" lang="ko-Kore-KR" altLang="en-US" smtClean="0"/>
+              <a:pPr/>
+              <a:t>13</a:t>
+            </a:fld>
+            <a:r>
+              <a:rPr kumimoji="1" lang="en-US" altLang="ko-Kore-KR"/>
+              <a:t> -</a:t>
+            </a:r>
+            <a:endParaRPr kumimoji="1" lang="ko-Kore-KR" altLang="en-US" dirty="0"/>
+          </a:p>
+        </p:txBody>
+      </p:sp>
+      <p:sp>
+        <p:nvSpPr>
+          <p:cNvPr id="4" name="제목 3">
+            <a:extLst>
+              <a:ext uri="{FF2B5EF4-FFF2-40B4-BE49-F238E27FC236}">
+                <a16:creationId xmlns:a16="http://schemas.microsoft.com/office/drawing/2014/main" id="{7A66A0DF-4C85-6616-D521-72748039FE01}"/>
+              </a:ext>
+            </a:extLst>
+          </p:cNvPr>
+          <p:cNvSpPr>
+            <a:spLocks noGrp="1"/>
+          </p:cNvSpPr>
+          <p:nvPr>
+            <p:ph type="title"/>
+          </p:nvPr>
+        </p:nvSpPr>
+        <p:spPr/>
+        <p:txBody>
+          <a:bodyPr/>
+          <a:lstStyle/>
+          <a:p>
+            <a:r>
+              <a:rPr lang="ko-KR" altLang="en-US" dirty="0"/>
+              <a:t>결과 분석</a:t>
+            </a:r>
+            <a:endParaRPr lang="en-CA" dirty="0"/>
+          </a:p>
+        </p:txBody>
+      </p:sp>
+      <p:pic>
+        <p:nvPicPr>
+          <p:cNvPr id="9" name="그림 8">
+            <a:extLst>
+              <a:ext uri="{FF2B5EF4-FFF2-40B4-BE49-F238E27FC236}">
+                <a16:creationId xmlns:a16="http://schemas.microsoft.com/office/drawing/2014/main" id="{178668AC-2E53-EAE7-4945-8FF24ECD22C6}"/>
+              </a:ext>
+            </a:extLst>
+          </p:cNvPr>
+          <p:cNvPicPr>
+            <a:picLocks noChangeAspect="1"/>
+          </p:cNvPicPr>
+          <p:nvPr/>
+        </p:nvPicPr>
+        <p:blipFill>
+          <a:blip r:embed="rId3"/>
+          <a:stretch>
+            <a:fillRect/>
+          </a:stretch>
+        </p:blipFill>
+        <p:spPr>
+          <a:xfrm>
+            <a:off x="5475608" y="696396"/>
+            <a:ext cx="2667992" cy="2098265"/>
+          </a:xfrm>
+          <a:prstGeom prst="rect">
+            <a:avLst/>
+          </a:prstGeom>
+        </p:spPr>
+      </p:pic>
+      <p:pic>
+        <p:nvPicPr>
+          <p:cNvPr id="13" name="그림 12">
+            <a:extLst>
+              <a:ext uri="{FF2B5EF4-FFF2-40B4-BE49-F238E27FC236}">
+                <a16:creationId xmlns:a16="http://schemas.microsoft.com/office/drawing/2014/main" id="{8C4885C9-E931-E933-7C16-E85BE9A1A06D}"/>
+              </a:ext>
+            </a:extLst>
+          </p:cNvPr>
+          <p:cNvPicPr>
+            <a:picLocks noChangeAspect="1"/>
+          </p:cNvPicPr>
+          <p:nvPr/>
+        </p:nvPicPr>
+        <p:blipFill>
+          <a:blip r:embed="rId4"/>
+          <a:stretch>
+            <a:fillRect/>
+          </a:stretch>
+        </p:blipFill>
+        <p:spPr>
+          <a:xfrm>
+            <a:off x="2502513" y="2794660"/>
+            <a:ext cx="4138974" cy="2064239"/>
+          </a:xfrm>
+          <a:prstGeom prst="rect">
+            <a:avLst/>
+          </a:prstGeom>
+        </p:spPr>
+      </p:pic>
+    </p:spTree>
+    <p:extLst>
+      <p:ext uri="{BB962C8B-B14F-4D97-AF65-F5344CB8AC3E}">
+        <p14:creationId xmlns:p14="http://schemas.microsoft.com/office/powerpoint/2010/main" val="373123130"/>
+      </p:ext>
+    </p:extLst>
+  </p:cSld>
+  <p:clrMapOvr>
+    <a:masterClrMapping/>
+  </p:clrMapOvr>
+</p:sld>
+</file>
+
+<file path=ppt/slides/slide14.xml><?xml version="1.0" encoding="utf-8"?>
+<p:sld xmlns:a="http://schemas.openxmlformats.org/drawingml/2006/main" xmlns:r="http://schemas.openxmlformats.org/officeDocument/2006/relationships" xmlns:p="http://schemas.openxmlformats.org/presentationml/2006/main">
+  <p:cSld>
+    <p:spTree>
+      <p:nvGrpSpPr>
+        <p:cNvPr id="1" name="">
+          <a:extLst>
+            <a:ext uri="{FF2B5EF4-FFF2-40B4-BE49-F238E27FC236}">
+              <a16:creationId xmlns:a16="http://schemas.microsoft.com/office/drawing/2014/main" id="{F951D8F0-7EF8-EC8F-E61C-C8E8B0C61A60}"/>
+            </a:ext>
+          </a:extLst>
+        </p:cNvPr>
+        <p:cNvGrpSpPr/>
+        <p:nvPr/>
+      </p:nvGrpSpPr>
+      <p:grpSpPr>
+        <a:xfrm>
+          <a:off x="0" y="0"/>
+          <a:ext cx="0" cy="0"/>
+          <a:chOff x="0" y="0"/>
+          <a:chExt cx="0" cy="0"/>
+        </a:xfrm>
+      </p:grpSpPr>
+      <p:sp>
+        <p:nvSpPr>
+          <p:cNvPr id="3" name="슬라이드 번호 개체 틀 2">
+            <a:extLst>
+              <a:ext uri="{FF2B5EF4-FFF2-40B4-BE49-F238E27FC236}">
+                <a16:creationId xmlns:a16="http://schemas.microsoft.com/office/drawing/2014/main" id="{5C64E166-9746-FF4E-1012-A94926778767}"/>
+              </a:ext>
+            </a:extLst>
+          </p:cNvPr>
+          <p:cNvSpPr>
+            <a:spLocks noGrp="1"/>
+          </p:cNvSpPr>
+          <p:nvPr>
+            <p:ph type="sldNum" sz="quarter" idx="12"/>
+          </p:nvPr>
+        </p:nvSpPr>
+        <p:spPr/>
+        <p:txBody>
+          <a:bodyPr/>
+          <a:lstStyle/>
+          <a:p>
+            <a:r>
+              <a:rPr kumimoji="1" lang="en-US" altLang="ko-Kore-KR"/>
+              <a:t>- </a:t>
+            </a:r>
+            <a:fld id="{BBFF076F-A898-B846-A356-7049BC8CABD5}" type="slidenum">
+              <a:rPr kumimoji="1" lang="ko-Kore-KR" altLang="en-US" smtClean="0"/>
+              <a:pPr/>
+              <a:t>14</a:t>
+            </a:fld>
+            <a:r>
+              <a:rPr kumimoji="1" lang="en-US" altLang="ko-Kore-KR"/>
+              <a:t> -</a:t>
+            </a:r>
+            <a:endParaRPr kumimoji="1" lang="ko-Kore-KR" altLang="en-US" dirty="0"/>
+          </a:p>
+        </p:txBody>
+      </p:sp>
+      <p:sp>
+        <p:nvSpPr>
+          <p:cNvPr id="4" name="제목 3">
+            <a:extLst>
+              <a:ext uri="{FF2B5EF4-FFF2-40B4-BE49-F238E27FC236}">
+                <a16:creationId xmlns:a16="http://schemas.microsoft.com/office/drawing/2014/main" id="{B0A7C310-124C-F8F3-C3FB-1133F4FA5309}"/>
+              </a:ext>
+            </a:extLst>
+          </p:cNvPr>
+          <p:cNvSpPr>
+            <a:spLocks noGrp="1"/>
+          </p:cNvSpPr>
+          <p:nvPr>
+            <p:ph type="title"/>
+          </p:nvPr>
+        </p:nvSpPr>
+        <p:spPr/>
+        <p:txBody>
+          <a:bodyPr/>
+          <a:lstStyle/>
+          <a:p>
+            <a:r>
+              <a:rPr lang="ko-KR" altLang="en-US" dirty="0"/>
+              <a:t>결과 분석</a:t>
+            </a:r>
+            <a:endParaRPr lang="en-CA" dirty="0"/>
+          </a:p>
+        </p:txBody>
+      </p:sp>
+      <p:pic>
+        <p:nvPicPr>
+          <p:cNvPr id="13" name="그림 12">
+            <a:extLst>
+              <a:ext uri="{FF2B5EF4-FFF2-40B4-BE49-F238E27FC236}">
+                <a16:creationId xmlns:a16="http://schemas.microsoft.com/office/drawing/2014/main" id="{D3A66853-FF66-95E8-04AA-EA81D4C66585}"/>
+              </a:ext>
+            </a:extLst>
+          </p:cNvPr>
+          <p:cNvPicPr>
+            <a:picLocks noChangeAspect="1"/>
+          </p:cNvPicPr>
+          <p:nvPr/>
+        </p:nvPicPr>
+        <p:blipFill>
+          <a:blip r:embed="rId2"/>
+          <a:stretch>
+            <a:fillRect/>
+          </a:stretch>
+        </p:blipFill>
+        <p:spPr>
+          <a:xfrm>
+            <a:off x="231433" y="901604"/>
+            <a:ext cx="4834926" cy="3629254"/>
+          </a:xfrm>
+          <a:prstGeom prst="rect">
+            <a:avLst/>
+          </a:prstGeom>
+        </p:spPr>
+      </p:pic>
+      <p:pic>
+        <p:nvPicPr>
+          <p:cNvPr id="16" name="그림 15">
+            <a:extLst>
+              <a:ext uri="{FF2B5EF4-FFF2-40B4-BE49-F238E27FC236}">
+                <a16:creationId xmlns:a16="http://schemas.microsoft.com/office/drawing/2014/main" id="{399F17B6-8F3A-4729-D418-09995D89239B}"/>
+              </a:ext>
+            </a:extLst>
+          </p:cNvPr>
+          <p:cNvPicPr>
+            <a:picLocks noChangeAspect="1"/>
+          </p:cNvPicPr>
+          <p:nvPr/>
+        </p:nvPicPr>
+        <p:blipFill>
+          <a:blip r:embed="rId3"/>
+          <a:stretch>
+            <a:fillRect/>
+          </a:stretch>
+        </p:blipFill>
+        <p:spPr>
+          <a:xfrm>
+            <a:off x="5173803" y="1325117"/>
+            <a:ext cx="3639058" cy="562053"/>
+          </a:xfrm>
+          <a:prstGeom prst="rect">
+            <a:avLst/>
+          </a:prstGeom>
+        </p:spPr>
+      </p:pic>
+      <p:pic>
+        <p:nvPicPr>
+          <p:cNvPr id="20" name="그림 19">
+            <a:extLst>
+              <a:ext uri="{FF2B5EF4-FFF2-40B4-BE49-F238E27FC236}">
+                <a16:creationId xmlns:a16="http://schemas.microsoft.com/office/drawing/2014/main" id="{7ACC848E-1236-FF9B-EC47-8612CB40186F}"/>
+              </a:ext>
+            </a:extLst>
+          </p:cNvPr>
+          <p:cNvPicPr>
+            <a:picLocks noChangeAspect="1"/>
+          </p:cNvPicPr>
+          <p:nvPr/>
+        </p:nvPicPr>
+        <p:blipFill>
+          <a:blip r:embed="rId4"/>
+          <a:stretch>
+            <a:fillRect/>
+          </a:stretch>
+        </p:blipFill>
+        <p:spPr>
+          <a:xfrm>
+            <a:off x="5360207" y="1887170"/>
+            <a:ext cx="3266249" cy="2770289"/>
+          </a:xfrm>
+          <a:prstGeom prst="rect">
+            <a:avLst/>
+          </a:prstGeom>
+        </p:spPr>
+      </p:pic>
+    </p:spTree>
+    <p:extLst>
+      <p:ext uri="{BB962C8B-B14F-4D97-AF65-F5344CB8AC3E}">
+        <p14:creationId xmlns:p14="http://schemas.microsoft.com/office/powerpoint/2010/main" val="135261875"/>
+      </p:ext>
+    </p:extLst>
+  </p:cSld>
+  <p:clrMapOvr>
+    <a:masterClrMapping/>
+  </p:clrMapOvr>
+</p:sld>
+</file>
+
+<file path=ppt/slides/slide15.xml><?xml version="1.0" encoding="utf-8"?>
+<p:sld xmlns:a="http://schemas.openxmlformats.org/drawingml/2006/main" xmlns:r="http://schemas.openxmlformats.org/officeDocument/2006/relationships" xmlns:p="http://schemas.openxmlformats.org/presentationml/2006/main">
+  <p:cSld>
+    <p:spTree>
+      <p:nvGrpSpPr>
+        <p:cNvPr id="1" name="">
+          <a:extLst>
+            <a:ext uri="{FF2B5EF4-FFF2-40B4-BE49-F238E27FC236}">
+              <a16:creationId xmlns:a16="http://schemas.microsoft.com/office/drawing/2014/main" id="{09EC2C06-852D-B9D2-63D3-428DDA719904}"/>
+            </a:ext>
+          </a:extLst>
+        </p:cNvPr>
+        <p:cNvGrpSpPr/>
+        <p:nvPr/>
+      </p:nvGrpSpPr>
+      <p:grpSpPr>
+        <a:xfrm>
+          <a:off x="0" y="0"/>
+          <a:ext cx="0" cy="0"/>
+          <a:chOff x="0" y="0"/>
+          <a:chExt cx="0" cy="0"/>
+        </a:xfrm>
+      </p:grpSpPr>
+      <p:sp>
+        <p:nvSpPr>
+          <p:cNvPr id="3" name="슬라이드 번호 개체 틀 2">
+            <a:extLst>
+              <a:ext uri="{FF2B5EF4-FFF2-40B4-BE49-F238E27FC236}">
+                <a16:creationId xmlns:a16="http://schemas.microsoft.com/office/drawing/2014/main" id="{40D3B8DE-88BE-2E36-811E-9FE461C99175}"/>
+              </a:ext>
+            </a:extLst>
+          </p:cNvPr>
+          <p:cNvSpPr>
+            <a:spLocks noGrp="1"/>
+          </p:cNvSpPr>
+          <p:nvPr>
+            <p:ph type="sldNum" sz="quarter" idx="12"/>
+          </p:nvPr>
+        </p:nvSpPr>
+        <p:spPr/>
+        <p:txBody>
+          <a:bodyPr/>
+          <a:lstStyle/>
+          <a:p>
+            <a:r>
+              <a:rPr kumimoji="1" lang="en-US" altLang="ko-Kore-KR"/>
+              <a:t>- </a:t>
+            </a:r>
+            <a:fld id="{BBFF076F-A898-B846-A356-7049BC8CABD5}" type="slidenum">
+              <a:rPr kumimoji="1" lang="ko-Kore-KR" altLang="en-US" smtClean="0"/>
+              <a:pPr/>
+              <a:t>15</a:t>
+            </a:fld>
+            <a:r>
+              <a:rPr kumimoji="1" lang="en-US" altLang="ko-Kore-KR"/>
+              <a:t> -</a:t>
+            </a:r>
+            <a:endParaRPr kumimoji="1" lang="ko-Kore-KR" altLang="en-US" dirty="0"/>
+          </a:p>
+        </p:txBody>
+      </p:sp>
+      <p:sp>
+        <p:nvSpPr>
+          <p:cNvPr id="4" name="제목 3">
+            <a:extLst>
+              <a:ext uri="{FF2B5EF4-FFF2-40B4-BE49-F238E27FC236}">
+                <a16:creationId xmlns:a16="http://schemas.microsoft.com/office/drawing/2014/main" id="{7F107170-C810-ACF4-5556-6E184A543455}"/>
+              </a:ext>
+            </a:extLst>
+          </p:cNvPr>
+          <p:cNvSpPr>
+            <a:spLocks noGrp="1"/>
+          </p:cNvSpPr>
+          <p:nvPr>
+            <p:ph type="title"/>
+          </p:nvPr>
+        </p:nvSpPr>
+        <p:spPr/>
+        <p:txBody>
+          <a:bodyPr/>
+          <a:lstStyle/>
+          <a:p>
+            <a:r>
+              <a:rPr lang="ko-KR" altLang="en-US" dirty="0"/>
+              <a:t>결과 분석</a:t>
+            </a:r>
+            <a:endParaRPr lang="en-CA" dirty="0"/>
+          </a:p>
+        </p:txBody>
+      </p:sp>
+      <p:pic>
+        <p:nvPicPr>
+          <p:cNvPr id="6" name="그림 5">
+            <a:extLst>
+              <a:ext uri="{FF2B5EF4-FFF2-40B4-BE49-F238E27FC236}">
+                <a16:creationId xmlns:a16="http://schemas.microsoft.com/office/drawing/2014/main" id="{5B83AC7C-0EC6-AA99-D9EF-274EF993C4C6}"/>
+              </a:ext>
+            </a:extLst>
+          </p:cNvPr>
+          <p:cNvPicPr>
+            <a:picLocks noChangeAspect="1"/>
+          </p:cNvPicPr>
+          <p:nvPr/>
+        </p:nvPicPr>
+        <p:blipFill>
+          <a:blip r:embed="rId2"/>
+          <a:stretch>
+            <a:fillRect/>
+          </a:stretch>
+        </p:blipFill>
+        <p:spPr>
+          <a:xfrm>
+            <a:off x="231433" y="914760"/>
+            <a:ext cx="4409324" cy="3313979"/>
+          </a:xfrm>
+          <a:prstGeom prst="rect">
+            <a:avLst/>
+          </a:prstGeom>
+        </p:spPr>
+      </p:pic>
+      <p:pic>
+        <p:nvPicPr>
+          <p:cNvPr id="9" name="그림 8">
+            <a:extLst>
+              <a:ext uri="{FF2B5EF4-FFF2-40B4-BE49-F238E27FC236}">
+                <a16:creationId xmlns:a16="http://schemas.microsoft.com/office/drawing/2014/main" id="{C130F09A-6F7C-51DE-9C29-3F110BA2AA66}"/>
+              </a:ext>
+            </a:extLst>
+          </p:cNvPr>
+          <p:cNvPicPr>
+            <a:picLocks noChangeAspect="1"/>
+          </p:cNvPicPr>
+          <p:nvPr/>
+        </p:nvPicPr>
+        <p:blipFill>
+          <a:blip r:embed="rId3"/>
+          <a:stretch>
+            <a:fillRect/>
+          </a:stretch>
+        </p:blipFill>
+        <p:spPr>
+          <a:xfrm>
+            <a:off x="5253677" y="1972889"/>
+            <a:ext cx="3218494" cy="2729785"/>
+          </a:xfrm>
+          <a:prstGeom prst="rect">
+            <a:avLst/>
+          </a:prstGeom>
+        </p:spPr>
+      </p:pic>
+      <p:pic>
+        <p:nvPicPr>
+          <p:cNvPr id="11" name="그림 10">
+            <a:extLst>
+              <a:ext uri="{FF2B5EF4-FFF2-40B4-BE49-F238E27FC236}">
+                <a16:creationId xmlns:a16="http://schemas.microsoft.com/office/drawing/2014/main" id="{D71D73D7-D86B-B758-DDE4-E94DDC273A11}"/>
+              </a:ext>
+            </a:extLst>
+          </p:cNvPr>
+          <p:cNvPicPr>
+            <a:picLocks noChangeAspect="1"/>
+          </p:cNvPicPr>
+          <p:nvPr/>
+        </p:nvPicPr>
+        <p:blipFill>
+          <a:blip r:embed="rId4"/>
+          <a:stretch>
+            <a:fillRect/>
+          </a:stretch>
+        </p:blipFill>
+        <p:spPr>
+          <a:xfrm>
+            <a:off x="5128131" y="1439415"/>
+            <a:ext cx="3610479" cy="533474"/>
+          </a:xfrm>
+          <a:prstGeom prst="rect">
+            <a:avLst/>
+          </a:prstGeom>
+        </p:spPr>
+      </p:pic>
+    </p:spTree>
+    <p:extLst>
+      <p:ext uri="{BB962C8B-B14F-4D97-AF65-F5344CB8AC3E}">
+        <p14:creationId xmlns:p14="http://schemas.microsoft.com/office/powerpoint/2010/main" val="3537764701"/>
+      </p:ext>
+    </p:extLst>
+  </p:cSld>
+  <p:clrMapOvr>
+    <a:masterClrMapping/>
+  </p:clrMapOvr>
+</p:sld>
+</file>
+
+<file path=ppt/slides/slide16.xml><?xml version="1.0" encoding="utf-8"?>
+<p:sld xmlns:a="http://schemas.openxmlformats.org/drawingml/2006/main" xmlns:r="http://schemas.openxmlformats.org/officeDocument/2006/relationships" xmlns:p="http://schemas.openxmlformats.org/presentationml/2006/main">
+  <p:cSld>
+    <p:spTree>
+      <p:nvGrpSpPr>
+        <p:cNvPr id="1" name="">
+          <a:extLst>
+            <a:ext uri="{FF2B5EF4-FFF2-40B4-BE49-F238E27FC236}">
+              <a16:creationId xmlns:a16="http://schemas.microsoft.com/office/drawing/2014/main" id="{ADEF0CA8-7AA5-6C4C-CA1F-BBEB03233AEC}"/>
+            </a:ext>
+          </a:extLst>
+        </p:cNvPr>
+        <p:cNvGrpSpPr/>
+        <p:nvPr/>
+      </p:nvGrpSpPr>
+      <p:grpSpPr>
+        <a:xfrm>
+          <a:off x="0" y="0"/>
+          <a:ext cx="0" cy="0"/>
+          <a:chOff x="0" y="0"/>
+          <a:chExt cx="0" cy="0"/>
+        </a:xfrm>
+      </p:grpSpPr>
+      <p:sp>
+        <p:nvSpPr>
+          <p:cNvPr id="3" name="슬라이드 번호 개체 틀 2">
+            <a:extLst>
+              <a:ext uri="{FF2B5EF4-FFF2-40B4-BE49-F238E27FC236}">
+                <a16:creationId xmlns:a16="http://schemas.microsoft.com/office/drawing/2014/main" id="{A0FD9124-6B9F-0DB9-FDE3-1957E8FF5A42}"/>
+              </a:ext>
+            </a:extLst>
+          </p:cNvPr>
+          <p:cNvSpPr>
+            <a:spLocks noGrp="1"/>
+          </p:cNvSpPr>
+          <p:nvPr>
+            <p:ph type="sldNum" sz="quarter" idx="12"/>
+          </p:nvPr>
+        </p:nvSpPr>
+        <p:spPr/>
+        <p:txBody>
+          <a:bodyPr/>
+          <a:lstStyle/>
+          <a:p>
+            <a:r>
+              <a:rPr kumimoji="1" lang="en-US" altLang="ko-Kore-KR"/>
+              <a:t>- </a:t>
+            </a:r>
+            <a:fld id="{BBFF076F-A898-B846-A356-7049BC8CABD5}" type="slidenum">
+              <a:rPr kumimoji="1" lang="ko-Kore-KR" altLang="en-US" smtClean="0"/>
+              <a:pPr/>
+              <a:t>16</a:t>
+            </a:fld>
+            <a:r>
+              <a:rPr kumimoji="1" lang="en-US" altLang="ko-Kore-KR"/>
+              <a:t> -</a:t>
+            </a:r>
+            <a:endParaRPr kumimoji="1" lang="ko-Kore-KR" altLang="en-US" dirty="0"/>
+          </a:p>
+        </p:txBody>
+      </p:sp>
+      <p:sp>
+        <p:nvSpPr>
+          <p:cNvPr id="4" name="제목 3">
+            <a:extLst>
+              <a:ext uri="{FF2B5EF4-FFF2-40B4-BE49-F238E27FC236}">
+                <a16:creationId xmlns:a16="http://schemas.microsoft.com/office/drawing/2014/main" id="{D0509F51-4B8D-5CB0-B063-2941061AF3A9}"/>
+              </a:ext>
+            </a:extLst>
+          </p:cNvPr>
+          <p:cNvSpPr>
+            <a:spLocks noGrp="1"/>
+          </p:cNvSpPr>
+          <p:nvPr>
+            <p:ph type="title"/>
+          </p:nvPr>
+        </p:nvSpPr>
+        <p:spPr/>
+        <p:txBody>
+          <a:bodyPr/>
+          <a:lstStyle/>
+          <a:p>
+            <a:r>
+              <a:rPr lang="ko-KR" altLang="en-US" dirty="0"/>
+              <a:t>결과 분석</a:t>
+            </a:r>
+            <a:endParaRPr lang="en-CA" dirty="0"/>
+          </a:p>
+        </p:txBody>
+      </p:sp>
+      <p:pic>
+        <p:nvPicPr>
+          <p:cNvPr id="13" name="그림 12">
+            <a:extLst>
+              <a:ext uri="{FF2B5EF4-FFF2-40B4-BE49-F238E27FC236}">
+                <a16:creationId xmlns:a16="http://schemas.microsoft.com/office/drawing/2014/main" id="{859D3A63-4717-CECD-1A54-83C7F426A0F1}"/>
+              </a:ext>
+            </a:extLst>
+          </p:cNvPr>
+          <p:cNvPicPr>
+            <a:picLocks noChangeAspect="1"/>
+          </p:cNvPicPr>
+          <p:nvPr/>
+        </p:nvPicPr>
+        <p:blipFill>
+          <a:blip r:embed="rId2"/>
+          <a:stretch>
+            <a:fillRect/>
+          </a:stretch>
+        </p:blipFill>
+        <p:spPr>
+          <a:xfrm>
+            <a:off x="0" y="610819"/>
+            <a:ext cx="5224741" cy="3921862"/>
+          </a:xfrm>
+          <a:prstGeom prst="rect">
+            <a:avLst/>
+          </a:prstGeom>
+        </p:spPr>
+      </p:pic>
+      <p:pic>
+        <p:nvPicPr>
+          <p:cNvPr id="15" name="그림 14">
+            <a:extLst>
+              <a:ext uri="{FF2B5EF4-FFF2-40B4-BE49-F238E27FC236}">
+                <a16:creationId xmlns:a16="http://schemas.microsoft.com/office/drawing/2014/main" id="{8BD60223-ECFC-C006-F91B-80C2C48A2054}"/>
+              </a:ext>
+            </a:extLst>
+          </p:cNvPr>
+          <p:cNvPicPr>
+            <a:picLocks noChangeAspect="1"/>
+          </p:cNvPicPr>
+          <p:nvPr/>
+        </p:nvPicPr>
+        <p:blipFill>
+          <a:blip r:embed="rId3"/>
+          <a:stretch>
+            <a:fillRect/>
+          </a:stretch>
+        </p:blipFill>
+        <p:spPr>
+          <a:xfrm>
+            <a:off x="5304684" y="1363904"/>
+            <a:ext cx="3610479" cy="543001"/>
+          </a:xfrm>
+          <a:prstGeom prst="rect">
+            <a:avLst/>
+          </a:prstGeom>
+        </p:spPr>
+      </p:pic>
+      <p:pic>
+        <p:nvPicPr>
+          <p:cNvPr id="17" name="그림 16">
+            <a:extLst>
+              <a:ext uri="{FF2B5EF4-FFF2-40B4-BE49-F238E27FC236}">
+                <a16:creationId xmlns:a16="http://schemas.microsoft.com/office/drawing/2014/main" id="{C868CDE1-2E6A-2E10-BED4-2311E49E9FC0}"/>
+              </a:ext>
+            </a:extLst>
+          </p:cNvPr>
+          <p:cNvPicPr>
+            <a:picLocks noChangeAspect="1"/>
+          </p:cNvPicPr>
+          <p:nvPr/>
+        </p:nvPicPr>
+        <p:blipFill>
+          <a:blip r:embed="rId4"/>
+          <a:stretch>
+            <a:fillRect/>
+          </a:stretch>
+        </p:blipFill>
+        <p:spPr>
+          <a:xfrm>
+            <a:off x="5511927" y="1906905"/>
+            <a:ext cx="3195991" cy="2710700"/>
+          </a:xfrm>
+          <a:prstGeom prst="rect">
+            <a:avLst/>
+          </a:prstGeom>
+        </p:spPr>
+      </p:pic>
+    </p:spTree>
+    <p:extLst>
+      <p:ext uri="{BB962C8B-B14F-4D97-AF65-F5344CB8AC3E}">
+        <p14:creationId xmlns:p14="http://schemas.microsoft.com/office/powerpoint/2010/main" val="762437070"/>
+      </p:ext>
+    </p:extLst>
+  </p:cSld>
+  <p:clrMapOvr>
+    <a:masterClrMapping/>
+  </p:clrMapOvr>
+</p:sld>
+</file>
+
+<file path=ppt/slides/slide17.xml><?xml version="1.0" encoding="utf-8"?>
+<p:sld xmlns:a="http://schemas.openxmlformats.org/drawingml/2006/main" xmlns:r="http://schemas.openxmlformats.org/officeDocument/2006/relationships" xmlns:p="http://schemas.openxmlformats.org/presentationml/2006/main">
+  <p:cSld>
+    <p:spTree>
+      <p:nvGrpSpPr>
+        <p:cNvPr id="1" name="">
+          <a:extLst>
+            <a:ext uri="{FF2B5EF4-FFF2-40B4-BE49-F238E27FC236}">
+              <a16:creationId xmlns:a16="http://schemas.microsoft.com/office/drawing/2014/main" id="{EB604871-A99B-AAAD-2D61-5E2E65E129FF}"/>
+            </a:ext>
+          </a:extLst>
+        </p:cNvPr>
+        <p:cNvGrpSpPr/>
+        <p:nvPr/>
+      </p:nvGrpSpPr>
+      <p:grpSpPr>
+        <a:xfrm>
+          <a:off x="0" y="0"/>
+          <a:ext cx="0" cy="0"/>
+          <a:chOff x="0" y="0"/>
+          <a:chExt cx="0" cy="0"/>
+        </a:xfrm>
+      </p:grpSpPr>
+      <p:sp>
+        <p:nvSpPr>
+          <p:cNvPr id="3" name="슬라이드 번호 개체 틀 2">
+            <a:extLst>
+              <a:ext uri="{FF2B5EF4-FFF2-40B4-BE49-F238E27FC236}">
+                <a16:creationId xmlns:a16="http://schemas.microsoft.com/office/drawing/2014/main" id="{0CA01FD9-BE4C-F865-79A2-9694C3E58F28}"/>
+              </a:ext>
+            </a:extLst>
+          </p:cNvPr>
+          <p:cNvSpPr>
+            <a:spLocks noGrp="1"/>
+          </p:cNvSpPr>
+          <p:nvPr>
+            <p:ph type="sldNum" sz="quarter" idx="12"/>
+          </p:nvPr>
+        </p:nvSpPr>
+        <p:spPr/>
+        <p:txBody>
+          <a:bodyPr/>
+          <a:lstStyle/>
+          <a:p>
+            <a:r>
+              <a:rPr kumimoji="1" lang="en-US" altLang="ko-Kore-KR"/>
+              <a:t>- </a:t>
+            </a:r>
+            <a:fld id="{BBFF076F-A898-B846-A356-7049BC8CABD5}" type="slidenum">
+              <a:rPr kumimoji="1" lang="ko-Kore-KR" altLang="en-US" smtClean="0"/>
+              <a:pPr/>
+              <a:t>17</a:t>
+            </a:fld>
+            <a:r>
+              <a:rPr kumimoji="1" lang="en-US" altLang="ko-Kore-KR"/>
+              <a:t> -</a:t>
+            </a:r>
+            <a:endParaRPr kumimoji="1" lang="ko-Kore-KR" altLang="en-US" dirty="0"/>
+          </a:p>
+        </p:txBody>
+      </p:sp>
+      <p:sp>
+        <p:nvSpPr>
+          <p:cNvPr id="4" name="제목 3">
+            <a:extLst>
+              <a:ext uri="{FF2B5EF4-FFF2-40B4-BE49-F238E27FC236}">
+                <a16:creationId xmlns:a16="http://schemas.microsoft.com/office/drawing/2014/main" id="{E60BCBE8-63C6-5BD7-6C65-E4ECB138044D}"/>
+              </a:ext>
+            </a:extLst>
+          </p:cNvPr>
+          <p:cNvSpPr>
+            <a:spLocks noGrp="1"/>
+          </p:cNvSpPr>
+          <p:nvPr>
+            <p:ph type="title"/>
+          </p:nvPr>
+        </p:nvSpPr>
+        <p:spPr/>
+        <p:txBody>
+          <a:bodyPr/>
+          <a:lstStyle/>
+          <a:p>
+            <a:r>
+              <a:rPr lang="ko-KR" altLang="en-US" dirty="0"/>
+              <a:t>결과 분석</a:t>
+            </a:r>
+            <a:endParaRPr lang="en-CA" dirty="0"/>
+          </a:p>
+        </p:txBody>
+      </p:sp>
+      <p:pic>
+        <p:nvPicPr>
+          <p:cNvPr id="5" name="그림 4">
+            <a:extLst>
+              <a:ext uri="{FF2B5EF4-FFF2-40B4-BE49-F238E27FC236}">
+                <a16:creationId xmlns:a16="http://schemas.microsoft.com/office/drawing/2014/main" id="{31373284-5FD8-9CB8-AF54-A2D3320F9DD8}"/>
+              </a:ext>
+            </a:extLst>
+          </p:cNvPr>
+          <p:cNvPicPr>
+            <a:picLocks noChangeAspect="1"/>
+          </p:cNvPicPr>
+          <p:nvPr/>
+        </p:nvPicPr>
+        <p:blipFill>
+          <a:blip r:embed="rId2"/>
+          <a:stretch>
+            <a:fillRect/>
+          </a:stretch>
+        </p:blipFill>
+        <p:spPr>
+          <a:xfrm>
+            <a:off x="231433" y="784562"/>
+            <a:ext cx="5146777" cy="3863340"/>
+          </a:xfrm>
+          <a:prstGeom prst="rect">
+            <a:avLst/>
+          </a:prstGeom>
+        </p:spPr>
+      </p:pic>
+      <p:pic>
+        <p:nvPicPr>
+          <p:cNvPr id="7" name="그림 6">
+            <a:extLst>
+              <a:ext uri="{FF2B5EF4-FFF2-40B4-BE49-F238E27FC236}">
+                <a16:creationId xmlns:a16="http://schemas.microsoft.com/office/drawing/2014/main" id="{E57731FA-4B52-F568-C13D-3B4B7AFC2C8F}"/>
+              </a:ext>
+            </a:extLst>
+          </p:cNvPr>
+          <p:cNvPicPr>
+            <a:picLocks noChangeAspect="1"/>
+          </p:cNvPicPr>
+          <p:nvPr/>
+        </p:nvPicPr>
+        <p:blipFill>
+          <a:blip r:embed="rId3"/>
+          <a:stretch>
+            <a:fillRect/>
+          </a:stretch>
+        </p:blipFill>
+        <p:spPr>
+          <a:xfrm>
+            <a:off x="5600700" y="2001164"/>
+            <a:ext cx="3197807" cy="2712240"/>
+          </a:xfrm>
+          <a:prstGeom prst="rect">
+            <a:avLst/>
+          </a:prstGeom>
+        </p:spPr>
+      </p:pic>
+      <p:pic>
+        <p:nvPicPr>
+          <p:cNvPr id="10" name="그림 9">
+            <a:extLst>
+              <a:ext uri="{FF2B5EF4-FFF2-40B4-BE49-F238E27FC236}">
+                <a16:creationId xmlns:a16="http://schemas.microsoft.com/office/drawing/2014/main" id="{0B49CDA4-E371-32AE-1EFC-21CE22C641F4}"/>
+              </a:ext>
+            </a:extLst>
+          </p:cNvPr>
+          <p:cNvPicPr>
+            <a:picLocks noChangeAspect="1"/>
+          </p:cNvPicPr>
+          <p:nvPr/>
+        </p:nvPicPr>
+        <p:blipFill>
+          <a:blip r:embed="rId4"/>
+          <a:stretch>
+            <a:fillRect/>
+          </a:stretch>
+        </p:blipFill>
+        <p:spPr>
+          <a:xfrm>
+            <a:off x="5389600" y="1448637"/>
+            <a:ext cx="3620005" cy="552527"/>
+          </a:xfrm>
+          <a:prstGeom prst="rect">
+            <a:avLst/>
+          </a:prstGeom>
+        </p:spPr>
+      </p:pic>
+    </p:spTree>
+    <p:extLst>
+      <p:ext uri="{BB962C8B-B14F-4D97-AF65-F5344CB8AC3E}">
+        <p14:creationId xmlns:p14="http://schemas.microsoft.com/office/powerpoint/2010/main" val="79865286"/>
+      </p:ext>
+    </p:extLst>
+  </p:cSld>
+  <p:clrMapOvr>
+    <a:masterClrMapping/>
+  </p:clrMapOvr>
+</p:sld>
+</file>
+
+<file path=ppt/slides/slide18.xml><?xml version="1.0" encoding="utf-8"?>
+<p:sld xmlns:a="http://schemas.openxmlformats.org/drawingml/2006/main" xmlns:r="http://schemas.openxmlformats.org/officeDocument/2006/relationships" xmlns:p="http://schemas.openxmlformats.org/presentationml/2006/main">
+  <p:cSld>
+    <p:spTree>
+      <p:nvGrpSpPr>
+        <p:cNvPr id="1" name="">
+          <a:extLst>
+            <a:ext uri="{FF2B5EF4-FFF2-40B4-BE49-F238E27FC236}">
+              <a16:creationId xmlns:a16="http://schemas.microsoft.com/office/drawing/2014/main" id="{DC8CD6F0-41F6-EC9B-AD9D-D485EA6235CD}"/>
+            </a:ext>
+          </a:extLst>
+        </p:cNvPr>
+        <p:cNvGrpSpPr/>
+        <p:nvPr/>
+      </p:nvGrpSpPr>
+      <p:grpSpPr>
+        <a:xfrm>
+          <a:off x="0" y="0"/>
+          <a:ext cx="0" cy="0"/>
+          <a:chOff x="0" y="0"/>
+          <a:chExt cx="0" cy="0"/>
+        </a:xfrm>
+      </p:grpSpPr>
+      <p:sp>
+        <p:nvSpPr>
+          <p:cNvPr id="3" name="슬라이드 번호 개체 틀 2">
+            <a:extLst>
+              <a:ext uri="{FF2B5EF4-FFF2-40B4-BE49-F238E27FC236}">
+                <a16:creationId xmlns:a16="http://schemas.microsoft.com/office/drawing/2014/main" id="{2646C489-D422-2F75-7977-73BDCCA8DA8B}"/>
+              </a:ext>
+            </a:extLst>
+          </p:cNvPr>
+          <p:cNvSpPr>
+            <a:spLocks noGrp="1"/>
+          </p:cNvSpPr>
+          <p:nvPr>
+            <p:ph type="sldNum" sz="quarter" idx="12"/>
+          </p:nvPr>
+        </p:nvSpPr>
+        <p:spPr/>
+        <p:txBody>
+          <a:bodyPr/>
+          <a:lstStyle/>
+          <a:p>
+            <a:r>
+              <a:rPr kumimoji="1" lang="en-US" altLang="ko-Kore-KR"/>
+              <a:t>- </a:t>
+            </a:r>
+            <a:fld id="{BBFF076F-A898-B846-A356-7049BC8CABD5}" type="slidenum">
+              <a:rPr kumimoji="1" lang="ko-Kore-KR" altLang="en-US" smtClean="0"/>
+              <a:pPr/>
+              <a:t>18</a:t>
+            </a:fld>
+            <a:r>
+              <a:rPr kumimoji="1" lang="en-US" altLang="ko-Kore-KR"/>
+              <a:t> -</a:t>
+            </a:r>
+            <a:endParaRPr kumimoji="1" lang="ko-Kore-KR" altLang="en-US" dirty="0"/>
+          </a:p>
+        </p:txBody>
+      </p:sp>
+      <p:sp>
+        <p:nvSpPr>
+          <p:cNvPr id="4" name="제목 3">
+            <a:extLst>
+              <a:ext uri="{FF2B5EF4-FFF2-40B4-BE49-F238E27FC236}">
+                <a16:creationId xmlns:a16="http://schemas.microsoft.com/office/drawing/2014/main" id="{C4517693-B562-39D5-D93B-22A78523F9C8}"/>
+              </a:ext>
+            </a:extLst>
+          </p:cNvPr>
+          <p:cNvSpPr>
+            <a:spLocks noGrp="1"/>
+          </p:cNvSpPr>
+          <p:nvPr>
+            <p:ph type="title"/>
+          </p:nvPr>
+        </p:nvSpPr>
+        <p:spPr/>
+        <p:txBody>
+          <a:bodyPr/>
+          <a:lstStyle/>
+          <a:p>
+            <a:r>
+              <a:rPr lang="ko-KR" altLang="en-US" dirty="0"/>
+              <a:t>결과 분석</a:t>
+            </a:r>
+            <a:endParaRPr lang="en-CA" dirty="0"/>
+          </a:p>
+        </p:txBody>
+      </p:sp>
+      <p:pic>
+        <p:nvPicPr>
+          <p:cNvPr id="5" name="그림 4">
+            <a:extLst>
+              <a:ext uri="{FF2B5EF4-FFF2-40B4-BE49-F238E27FC236}">
+                <a16:creationId xmlns:a16="http://schemas.microsoft.com/office/drawing/2014/main" id="{D7B79614-3FEA-1851-BCCD-3F3FD88C865D}"/>
+              </a:ext>
+            </a:extLst>
+          </p:cNvPr>
+          <p:cNvPicPr>
+            <a:picLocks noChangeAspect="1"/>
+          </p:cNvPicPr>
+          <p:nvPr/>
+        </p:nvPicPr>
+        <p:blipFill>
+          <a:blip r:embed="rId2"/>
+          <a:stretch>
+            <a:fillRect/>
+          </a:stretch>
+        </p:blipFill>
+        <p:spPr>
+          <a:xfrm>
+            <a:off x="231433" y="907085"/>
+            <a:ext cx="4807484" cy="3608656"/>
+          </a:xfrm>
+          <a:prstGeom prst="rect">
+            <a:avLst/>
+          </a:prstGeom>
+        </p:spPr>
+      </p:pic>
+      <p:pic>
+        <p:nvPicPr>
+          <p:cNvPr id="10" name="그림 9">
+            <a:extLst>
+              <a:ext uri="{FF2B5EF4-FFF2-40B4-BE49-F238E27FC236}">
+                <a16:creationId xmlns:a16="http://schemas.microsoft.com/office/drawing/2014/main" id="{DB9759BE-B79D-489F-1568-A5318563FE8C}"/>
+              </a:ext>
+            </a:extLst>
+          </p:cNvPr>
+          <p:cNvPicPr>
+            <a:picLocks noChangeAspect="1"/>
+          </p:cNvPicPr>
+          <p:nvPr/>
+        </p:nvPicPr>
+        <p:blipFill>
+          <a:blip r:embed="rId3"/>
+          <a:stretch>
+            <a:fillRect/>
+          </a:stretch>
+        </p:blipFill>
+        <p:spPr>
+          <a:xfrm>
+            <a:off x="5600700" y="2139351"/>
+            <a:ext cx="3055615" cy="2591639"/>
+          </a:xfrm>
+          <a:prstGeom prst="rect">
+            <a:avLst/>
+          </a:prstGeom>
+        </p:spPr>
+      </p:pic>
+      <p:pic>
+        <p:nvPicPr>
+          <p:cNvPr id="13" name="그림 12">
+            <a:extLst>
+              <a:ext uri="{FF2B5EF4-FFF2-40B4-BE49-F238E27FC236}">
+                <a16:creationId xmlns:a16="http://schemas.microsoft.com/office/drawing/2014/main" id="{1EA839F2-F512-879B-7A92-F3713912FA47}"/>
+              </a:ext>
+            </a:extLst>
+          </p:cNvPr>
+          <p:cNvPicPr>
+            <a:picLocks noChangeAspect="1"/>
+          </p:cNvPicPr>
+          <p:nvPr/>
+        </p:nvPicPr>
+        <p:blipFill>
+          <a:blip r:embed="rId4"/>
+          <a:stretch>
+            <a:fillRect/>
+          </a:stretch>
+        </p:blipFill>
+        <p:spPr>
+          <a:xfrm>
+            <a:off x="5313741" y="1512759"/>
+            <a:ext cx="3629532" cy="552527"/>
+          </a:xfrm>
+          <a:prstGeom prst="rect">
+            <a:avLst/>
+          </a:prstGeom>
+        </p:spPr>
+      </p:pic>
+    </p:spTree>
+    <p:extLst>
+      <p:ext uri="{BB962C8B-B14F-4D97-AF65-F5344CB8AC3E}">
+        <p14:creationId xmlns:p14="http://schemas.microsoft.com/office/powerpoint/2010/main" val="2409621883"/>
+      </p:ext>
+    </p:extLst>
+  </p:cSld>
+  <p:clrMapOvr>
+    <a:masterClrMapping/>
+  </p:clrMapOvr>
+</p:sld>
+</file>
+
+<file path=ppt/slides/slide19.xml><?xml version="1.0" encoding="utf-8"?>
+<p:sld xmlns:a="http://schemas.openxmlformats.org/drawingml/2006/main" xmlns:r="http://schemas.openxmlformats.org/officeDocument/2006/relationships" xmlns:p="http://schemas.openxmlformats.org/presentationml/2006/main">
+  <p:cSld>
+    <p:spTree>
+      <p:nvGrpSpPr>
         <p:cNvPr id="1" name=""/>
         <p:cNvGrpSpPr/>
         <p:nvPr/>
@@ -5435,7 +6601,7 @@
             <a:lum/>
             <a:extLst>
               <a:ext uri="783A4284-B454-46f5-B8C8-42B5039CE256">
-                <hp:hncPhoto xmlns:hp="http://schemas.haansoft.com/office/presentation/8.0" xmlns:dsp="http://schemas.microsoft.com/office/drawing/2008/diagram" xmlns:dgm="http://schemas.openxmlformats.org/drawingml/2006/diagram" xmlns:c="http://schemas.openxmlformats.org/drawingml/2006/chart" xmlns="">
+                <hp:hncPhoto xmlns="" xmlns:c="http://schemas.openxmlformats.org/drawingml/2006/chart" xmlns:dgm="http://schemas.openxmlformats.org/drawingml/2006/diagram" xmlns:dsp="http://schemas.microsoft.com/office/drawing/2008/diagram" xmlns:hp="http://schemas.haansoft.com/office/presentation/8.0">
                   <hd:imgLayer xmlns:hd="http://schemas.haansoft.com/office/drawingml/8.0" r:embed="rId3">
                     <hd:imgEffect xmlns:hd="http://schemas.haansoft.com/office/drawingml/8.0">
                       <hd:artEffectSharpenSoften amount="-100000"/>
@@ -5537,7 +6703,7 @@
     <mc:Choice Requires="p14">
       <p:transition/>
     </mc:Choice>
-    <mc:Fallback xmlns:dsp="http://schemas.microsoft.com/office/drawing/2008/diagram" xmlns:dgm="http://schemas.openxmlformats.org/drawingml/2006/diagram" xmlns:c="http://schemas.openxmlformats.org/drawingml/2006/chart" xmlns="">
+    <mc:Fallback xmlns="" xmlns:c="http://schemas.openxmlformats.org/drawingml/2006/chart" xmlns:dgm="http://schemas.openxmlformats.org/drawingml/2006/diagram" xmlns:dsp="http://schemas.microsoft.com/office/drawing/2008/diagram">
       <p:transition/>
     </mc:Fallback>
   </mc:AlternateContent>
@@ -6789,7 +7955,7 @@
             <a:lum/>
             <a:extLst>
               <a:ext uri="783A4284-B454-46f5-B8C8-42B5039CE256">
-                <hp:hncPhoto xmlns:hp="http://schemas.haansoft.com/office/presentation/8.0" xmlns:dsp="http://schemas.microsoft.com/office/drawing/2008/diagram" xmlns:dgm="http://schemas.openxmlformats.org/drawingml/2006/diagram" xmlns:c="http://schemas.openxmlformats.org/drawingml/2006/chart" xmlns="">
+                <hp:hncPhoto xmlns="" xmlns:c="http://schemas.openxmlformats.org/drawingml/2006/chart" xmlns:dgm="http://schemas.openxmlformats.org/drawingml/2006/diagram" xmlns:dsp="http://schemas.microsoft.com/office/drawing/2008/diagram" xmlns:hp="http://schemas.haansoft.com/office/presentation/8.0">
                   <hd:imgLayer xmlns:hd="http://schemas.haansoft.com/office/drawingml/8.0" r:embed="rId3">
                     <hd:imgEffect xmlns:hd="http://schemas.haansoft.com/office/drawingml/8.0">
                       <hd:artEffectSharpenSoften amount="-100000"/>
@@ -6908,7 +8074,7 @@
     <mc:Choice Requires="p14">
       <p:transition/>
     </mc:Choice>
-    <mc:Fallback xmlns:dsp="http://schemas.microsoft.com/office/drawing/2008/diagram" xmlns:dgm="http://schemas.openxmlformats.org/drawingml/2006/diagram" xmlns:c="http://schemas.openxmlformats.org/drawingml/2006/chart" xmlns="">
+    <mc:Fallback xmlns="" xmlns:c="http://schemas.openxmlformats.org/drawingml/2006/chart" xmlns:dgm="http://schemas.openxmlformats.org/drawingml/2006/diagram" xmlns:dsp="http://schemas.microsoft.com/office/drawing/2008/diagram">
       <p:transition/>
     </mc:Fallback>
   </mc:AlternateContent>
